--- a/img/portfolio/6.pptx
+++ b/img/portfolio/6.pptx
@@ -104,6 +104,11 @@
       </a:defRPr>
     </a:lvl9pPr>
   </p:defaultTextStyle>
+  <p:extLst>
+    <p:ext uri="{EFAFB233-063F-42B5-8137-9DF3F51BA10A}">
+      <p15:sldGuideLst xmlns:p15="http://schemas.microsoft.com/office/powerpoint/2012/main"/>
+    </p:ext>
+  </p:extLst>
 </p:presentation>
 </file>
 
@@ -3358,13 +3363,13 @@
         </p:nvPicPr>
         <p:blipFill rotWithShape="1">
           <a:blip r:embed="rId2"/>
-          <a:srcRect l="1"/>
+          <a:srcRect l="450"/>
           <a:stretch/>
         </p:blipFill>
         <p:spPr>
           <a:xfrm>
-            <a:off x="2667001" y="0"/>
-            <a:ext cx="9525000" cy="6858000"/>
+            <a:off x="2709745" y="0"/>
+            <a:ext cx="9482255" cy="6858000"/>
           </a:xfrm>
           <a:prstGeom prst="rect">
             <a:avLst/>
